--- a/docs/projectDescription.pptx
+++ b/docs/projectDescription.pptx
@@ -108,6 +108,11 @@
       </a:defRPr>
     </a:lvl9pPr>
   </p:defaultTextStyle>
+  <p:extLst>
+    <p:ext uri="{EFAFB233-063F-42B5-8137-9DF3F51BA10A}">
+      <p15:sldGuideLst xmlns:p15="http://schemas.microsoft.com/office/powerpoint/2012/main"/>
+    </p:ext>
+  </p:extLst>
 </p:presentation>
 </file>
 
@@ -193,7 +198,7 @@
           <a:p>
             <a:fld id="{CCA9E6B6-1ED2-AB41-864A-0B28028C5512}" type="datetimeFigureOut">
               <a:rPr lang="en-CH" smtClean="0"/>
-              <a:t>24.02.21</a:t>
+              <a:t>28.02.21</a:t>
             </a:fld>
             <a:endParaRPr lang="en-CH"/>
           </a:p>
@@ -694,7 +699,7 @@
           <a:p>
             <a:fld id="{5C164E1E-D877-1A40-A740-59B54F6E0152}" type="datetimeFigureOut">
               <a:rPr lang="en-CH" smtClean="0"/>
-              <a:t>22.02.21</a:t>
+              <a:t>28.02.21</a:t>
             </a:fld>
             <a:endParaRPr lang="en-CH"/>
           </a:p>
@@ -894,7 +899,7 @@
           <a:p>
             <a:fld id="{5C164E1E-D877-1A40-A740-59B54F6E0152}" type="datetimeFigureOut">
               <a:rPr lang="en-CH" smtClean="0"/>
-              <a:t>22.02.21</a:t>
+              <a:t>28.02.21</a:t>
             </a:fld>
             <a:endParaRPr lang="en-CH"/>
           </a:p>
@@ -1104,7 +1109,7 @@
           <a:p>
             <a:fld id="{5C164E1E-D877-1A40-A740-59B54F6E0152}" type="datetimeFigureOut">
               <a:rPr lang="en-CH" smtClean="0"/>
-              <a:t>22.02.21</a:t>
+              <a:t>28.02.21</a:t>
             </a:fld>
             <a:endParaRPr lang="en-CH"/>
           </a:p>
@@ -1304,7 +1309,7 @@
           <a:p>
             <a:fld id="{5C164E1E-D877-1A40-A740-59B54F6E0152}" type="datetimeFigureOut">
               <a:rPr lang="en-CH" smtClean="0"/>
-              <a:t>22.02.21</a:t>
+              <a:t>28.02.21</a:t>
             </a:fld>
             <a:endParaRPr lang="en-CH"/>
           </a:p>
@@ -1580,7 +1585,7 @@
           <a:p>
             <a:fld id="{5C164E1E-D877-1A40-A740-59B54F6E0152}" type="datetimeFigureOut">
               <a:rPr lang="en-CH" smtClean="0"/>
-              <a:t>22.02.21</a:t>
+              <a:t>28.02.21</a:t>
             </a:fld>
             <a:endParaRPr lang="en-CH"/>
           </a:p>
@@ -1848,7 +1853,7 @@
           <a:p>
             <a:fld id="{5C164E1E-D877-1A40-A740-59B54F6E0152}" type="datetimeFigureOut">
               <a:rPr lang="en-CH" smtClean="0"/>
-              <a:t>22.02.21</a:t>
+              <a:t>28.02.21</a:t>
             </a:fld>
             <a:endParaRPr lang="en-CH"/>
           </a:p>
@@ -2263,7 +2268,7 @@
           <a:p>
             <a:fld id="{5C164E1E-D877-1A40-A740-59B54F6E0152}" type="datetimeFigureOut">
               <a:rPr lang="en-CH" smtClean="0"/>
-              <a:t>22.02.21</a:t>
+              <a:t>28.02.21</a:t>
             </a:fld>
             <a:endParaRPr lang="en-CH"/>
           </a:p>
@@ -2405,7 +2410,7 @@
           <a:p>
             <a:fld id="{5C164E1E-D877-1A40-A740-59B54F6E0152}" type="datetimeFigureOut">
               <a:rPr lang="en-CH" smtClean="0"/>
-              <a:t>22.02.21</a:t>
+              <a:t>28.02.21</a:t>
             </a:fld>
             <a:endParaRPr lang="en-CH"/>
           </a:p>
@@ -2518,7 +2523,7 @@
           <a:p>
             <a:fld id="{5C164E1E-D877-1A40-A740-59B54F6E0152}" type="datetimeFigureOut">
               <a:rPr lang="en-CH" smtClean="0"/>
-              <a:t>22.02.21</a:t>
+              <a:t>28.02.21</a:t>
             </a:fld>
             <a:endParaRPr lang="en-CH"/>
           </a:p>
@@ -2831,7 +2836,7 @@
           <a:p>
             <a:fld id="{5C164E1E-D877-1A40-A740-59B54F6E0152}" type="datetimeFigureOut">
               <a:rPr lang="en-CH" smtClean="0"/>
-              <a:t>22.02.21</a:t>
+              <a:t>28.02.21</a:t>
             </a:fld>
             <a:endParaRPr lang="en-CH"/>
           </a:p>
@@ -3120,7 +3125,7 @@
           <a:p>
             <a:fld id="{5C164E1E-D877-1A40-A740-59B54F6E0152}" type="datetimeFigureOut">
               <a:rPr lang="en-CH" smtClean="0"/>
-              <a:t>22.02.21</a:t>
+              <a:t>28.02.21</a:t>
             </a:fld>
             <a:endParaRPr lang="en-CH"/>
           </a:p>
@@ -3363,7 +3368,7 @@
           <a:p>
             <a:fld id="{5C164E1E-D877-1A40-A740-59B54F6E0152}" type="datetimeFigureOut">
               <a:rPr lang="en-CH" smtClean="0"/>
-              <a:t>22.02.21</a:t>
+              <a:t>28.02.21</a:t>
             </a:fld>
             <a:endParaRPr lang="en-CH"/>
           </a:p>
@@ -4062,7 +4067,7 @@
                 <a:ea typeface="Source Sans Pro" panose="020F0502020204030204" pitchFamily="34" charset="0"/>
                 <a:cs typeface="Al Bayan" pitchFamily="2" charset="-78"/>
               </a:rPr>
-              <a:t>Develop a simple distributed application based on an RPC library to be used as an initial test bench</a:t>
+              <a:t>Develop a simple distributed application based on an RPC library to be used as an initial test environment</a:t>
             </a:r>
           </a:p>
           <a:p>
@@ -4079,7 +4084,7 @@
                 <a:ea typeface="Source Sans Pro" panose="020F0502020204030204" pitchFamily="34" charset="0"/>
                 <a:cs typeface="Al Bayan" pitchFamily="2" charset="-78"/>
               </a:rPr>
-              <a:t>Develop an instrumentation for both client side, server side, and – crucially – the RPC library</a:t>
+              <a:t>Develop an instrumentation for the client side, server side, and – crucially – the RPC library</a:t>
             </a:r>
           </a:p>
           <a:p>
@@ -4096,7 +4101,7 @@
                 <a:ea typeface="Source Sans Pro" panose="020F0502020204030204" pitchFamily="34" charset="0"/>
                 <a:cs typeface="Al Bayan" pitchFamily="2" charset="-78"/>
               </a:rPr>
-              <a:t>Design a method to save and retrieve measurement logs from all the remote components</a:t>
+              <a:t>Devise a method to save and retrieve measurement logs from all the remote components</a:t>
             </a:r>
           </a:p>
           <a:p>
@@ -4130,7 +4135,7 @@
                 <a:ea typeface="Source Sans Pro" panose="020F0502020204030204" pitchFamily="34" charset="0"/>
                 <a:cs typeface="Al Bayan" pitchFamily="2" charset="-78"/>
               </a:rPr>
-              <a:t>Integrate the trace in the existing statistics tool (</a:t>
+              <a:t>Integrate said trace in the existing statistics tool (</a:t>
             </a:r>
             <a:r>
               <a:rPr lang="en-GB" sz="1800" dirty="0" err="1">
@@ -4171,7 +4176,23 @@
                 <a:ea typeface="Source Sans Pro" panose="020F0502020204030204" pitchFamily="34" charset="0"/>
                 <a:cs typeface="Al Bayan" pitchFamily="2" charset="-78"/>
               </a:rPr>
-              <a:t>Identify and analyze some third-party, non-trivial distributed applications</a:t>
+              <a:t>Identify some third-party non-trivial distributed applications and </a:t>
+            </a:r>
+            <a:r>
+              <a:rPr lang="en-GB" sz="1800" dirty="0" err="1">
+                <a:latin typeface="Source Sans Pro" panose="020F0502020204030204" pitchFamily="34" charset="0"/>
+                <a:ea typeface="Source Sans Pro" panose="020F0502020204030204" pitchFamily="34" charset="0"/>
+                <a:cs typeface="Al Bayan" pitchFamily="2" charset="-78"/>
+              </a:rPr>
+              <a:t>analyze</a:t>
+            </a:r>
+            <a:r>
+              <a:rPr lang="en-GB" sz="1800" dirty="0">
+                <a:latin typeface="Source Sans Pro" panose="020F0502020204030204" pitchFamily="34" charset="0"/>
+                <a:ea typeface="Source Sans Pro" panose="020F0502020204030204" pitchFamily="34" charset="0"/>
+                <a:cs typeface="Al Bayan" pitchFamily="2" charset="-78"/>
+              </a:rPr>
+              <a:t> them with the created tool</a:t>
             </a:r>
           </a:p>
           <a:p>
@@ -4188,7 +4209,7 @@
                 <a:ea typeface="Source Sans Pro" panose="020F0502020204030204" pitchFamily="34" charset="0"/>
                 <a:cs typeface="Al Bayan" pitchFamily="2" charset="-78"/>
               </a:rPr>
-              <a:t>Write the report and prepare the poster and presentation</a:t>
+              <a:t>Write the report, prepare the poster and presentation</a:t>
             </a:r>
           </a:p>
           <a:p>
@@ -4205,7 +4226,7 @@
                 <a:ea typeface="Source Sans Pro" panose="020F0502020204030204" pitchFamily="34" charset="0"/>
                 <a:cs typeface="Al Bayan" pitchFamily="2" charset="-78"/>
               </a:rPr>
-              <a:t>Pizza</a:t>
+              <a:t>Have a pizza</a:t>
             </a:r>
             <a:endParaRPr lang="en-CH" sz="1800" dirty="0">
               <a:latin typeface="Source Sans Pro" panose="020F0502020204030204" pitchFamily="34" charset="0"/>
